--- a/Presentation/R&C2_TH.pptx
+++ b/Presentation/R&C2_TH.pptx
@@ -5,7 +5,7 @@
     <p:sldMasterId id="2147483708" r:id="rId1"/>
   </p:sldMasterIdLst>
   <p:notesMasterIdLst>
-    <p:notesMasterId r:id="rId13"/>
+    <p:notesMasterId r:id="rId19"/>
   </p:notesMasterIdLst>
   <p:sldIdLst>
     <p:sldId id="256" r:id="rId2"/>
@@ -19,6 +19,12 @@
     <p:sldId id="285" r:id="rId10"/>
     <p:sldId id="286" r:id="rId11"/>
     <p:sldId id="287" r:id="rId12"/>
+    <p:sldId id="288" r:id="rId13"/>
+    <p:sldId id="289" r:id="rId14"/>
+    <p:sldId id="290" r:id="rId15"/>
+    <p:sldId id="291" r:id="rId16"/>
+    <p:sldId id="293" r:id="rId17"/>
+    <p:sldId id="292" r:id="rId18"/>
   </p:sldIdLst>
   <p:sldSz cx="12192000" cy="6858000"/>
   <p:notesSz cx="6858000" cy="9144000"/>
@@ -237,7 +243,7 @@
             <a:fld id="{296DE6C1-0D4F-40AF-85DF-C1F5DECC53A8}" type="datetimeFigureOut">
               <a:rPr lang="it-IT" smtClean="0"/>
               <a:pPr/>
-              <a:t>04/01/2025</a:t>
+              <a:t>05/01/2025</a:t>
             </a:fld>
             <a:endParaRPr lang="it-IT"/>
           </a:p>
@@ -653,7 +659,7 @@
             <a:fld id="{C764DE79-268F-4C1A-8933-263129D2AF90}" type="datetimeFigureOut">
               <a:rPr lang="en-US" smtClean="0"/>
               <a:pPr/>
-              <a:t>1/4/2025</a:t>
+              <a:t>1/5/2025</a:t>
             </a:fld>
             <a:endParaRPr lang="en-US"/>
           </a:p>
@@ -1741,7 +1747,7 @@
             <a:fld id="{C764DE79-268F-4C1A-8933-263129D2AF90}" type="datetimeFigureOut">
               <a:rPr lang="en-US" smtClean="0"/>
               <a:pPr/>
-              <a:t>1/4/2025</a:t>
+              <a:t>1/5/2025</a:t>
             </a:fld>
             <a:endParaRPr lang="en-US"/>
           </a:p>
@@ -1929,7 +1935,7 @@
             <a:fld id="{C764DE79-268F-4C1A-8933-263129D2AF90}" type="datetimeFigureOut">
               <a:rPr lang="en-US" smtClean="0"/>
               <a:pPr/>
-              <a:t>1/4/2025</a:t>
+              <a:t>1/5/2025</a:t>
             </a:fld>
             <a:endParaRPr lang="en-US"/>
           </a:p>
@@ -2206,7 +2212,7 @@
             <a:fld id="{C764DE79-268F-4C1A-8933-263129D2AF90}" type="datetimeFigureOut">
               <a:rPr lang="en-US" smtClean="0"/>
               <a:pPr/>
-              <a:t>1/4/2025</a:t>
+              <a:t>1/5/2025</a:t>
             </a:fld>
             <a:endParaRPr lang="en-US"/>
           </a:p>
@@ -2473,7 +2479,7 @@
             <a:fld id="{C764DE79-268F-4C1A-8933-263129D2AF90}" type="datetimeFigureOut">
               <a:rPr lang="en-US" smtClean="0"/>
               <a:pPr/>
-              <a:t>1/4/2025</a:t>
+              <a:t>1/5/2025</a:t>
             </a:fld>
             <a:endParaRPr lang="en-US"/>
           </a:p>
@@ -2887,7 +2893,7 @@
             <a:fld id="{C764DE79-268F-4C1A-8933-263129D2AF90}" type="datetimeFigureOut">
               <a:rPr lang="en-US" smtClean="0"/>
               <a:pPr/>
-              <a:t>1/4/2025</a:t>
+              <a:t>1/5/2025</a:t>
             </a:fld>
             <a:endParaRPr lang="en-US"/>
           </a:p>
@@ -3030,7 +3036,7 @@
             <a:fld id="{C764DE79-268F-4C1A-8933-263129D2AF90}" type="datetimeFigureOut">
               <a:rPr lang="en-US" smtClean="0"/>
               <a:pPr/>
-              <a:t>1/4/2025</a:t>
+              <a:t>1/5/2025</a:t>
             </a:fld>
             <a:endParaRPr lang="en-US"/>
           </a:p>
@@ -3145,7 +3151,7 @@
             <a:fld id="{C764DE79-268F-4C1A-8933-263129D2AF90}" type="datetimeFigureOut">
               <a:rPr lang="en-US" smtClean="0"/>
               <a:pPr/>
-              <a:t>1/4/2025</a:t>
+              <a:t>1/5/2025</a:t>
             </a:fld>
             <a:endParaRPr lang="en-US"/>
           </a:p>
@@ -3458,7 +3464,7 @@
             <a:fld id="{C764DE79-268F-4C1A-8933-263129D2AF90}" type="datetimeFigureOut">
               <a:rPr lang="en-US" smtClean="0"/>
               <a:pPr/>
-              <a:t>1/4/2025</a:t>
+              <a:t>1/5/2025</a:t>
             </a:fld>
             <a:endParaRPr lang="en-US"/>
           </a:p>
@@ -3751,7 +3757,7 @@
             <a:fld id="{C764DE79-268F-4C1A-8933-263129D2AF90}" type="datetimeFigureOut">
               <a:rPr lang="en-US" smtClean="0"/>
               <a:pPr/>
-              <a:t>1/4/2025</a:t>
+              <a:t>1/5/2025</a:t>
             </a:fld>
             <a:endParaRPr lang="en-US"/>
           </a:p>
@@ -3994,7 +4000,7 @@
             <a:fld id="{C764DE79-268F-4C1A-8933-263129D2AF90}" type="datetimeFigureOut">
               <a:rPr lang="en-US" smtClean="0"/>
               <a:pPr/>
-              <a:t>1/4/2025</a:t>
+              <a:t>1/5/2025</a:t>
             </a:fld>
             <a:endParaRPr lang="en-US"/>
           </a:p>
@@ -5191,6 +5197,1710 @@
     <p:extLst>
       <p:ext uri="{BB962C8B-B14F-4D97-AF65-F5344CB8AC3E}">
         <p14:creationId xmlns:p14="http://schemas.microsoft.com/office/powerpoint/2010/main" val="3123060665"/>
+      </p:ext>
+    </p:extLst>
+  </p:cSld>
+  <p:clrMapOvr>
+    <a:masterClrMapping/>
+  </p:clrMapOvr>
+</p:sld>
+</file>
+
+<file path=ppt/slides/slide12.xml><?xml version="1.0" encoding="utf-8"?>
+<p:sld xmlns:a="http://schemas.openxmlformats.org/drawingml/2006/main" xmlns:r="http://schemas.openxmlformats.org/officeDocument/2006/relationships" xmlns:p="http://schemas.openxmlformats.org/presentationml/2006/main">
+  <p:cSld>
+    <p:spTree>
+      <p:nvGrpSpPr>
+        <p:cNvPr id="1" name="">
+          <a:extLst>
+            <a:ext uri="{FF2B5EF4-FFF2-40B4-BE49-F238E27FC236}">
+              <a16:creationId xmlns:a16="http://schemas.microsoft.com/office/drawing/2014/main" id="{512ECACB-DA18-F1D1-33AB-0908E6C6FB3C}"/>
+            </a:ext>
+          </a:extLst>
+        </p:cNvPr>
+        <p:cNvGrpSpPr/>
+        <p:nvPr/>
+      </p:nvGrpSpPr>
+      <p:grpSpPr>
+        <a:xfrm>
+          <a:off x="0" y="0"/>
+          <a:ext cx="0" cy="0"/>
+          <a:chOff x="0" y="0"/>
+          <a:chExt cx="0" cy="0"/>
+        </a:xfrm>
+      </p:grpSpPr>
+      <p:pic>
+        <p:nvPicPr>
+          <p:cNvPr id="7" name="Picture 2" descr="Universita' di Padova DEI (Dip Ingegneria Informazione) Accesso PaperCut">
+            <a:extLst>
+              <a:ext uri="{FF2B5EF4-FFF2-40B4-BE49-F238E27FC236}">
+                <a16:creationId xmlns:a16="http://schemas.microsoft.com/office/drawing/2014/main" id="{2058F34D-B015-39CB-6049-28495046B4DD}"/>
+              </a:ext>
+            </a:extLst>
+          </p:cNvPr>
+          <p:cNvPicPr>
+            <a:picLocks noChangeAspect="1" noChangeArrowheads="1"/>
+          </p:cNvPicPr>
+          <p:nvPr/>
+        </p:nvPicPr>
+        <p:blipFill>
+          <a:blip r:embed="rId2" cstate="print">
+            <a:biLevel thresh="25000"/>
+            <a:extLst>
+              <a:ext uri="{BEBA8EAE-BF5A-486C-A8C5-ECC9F3942E4B}">
+                <a14:imgProps xmlns:a14="http://schemas.microsoft.com/office/drawing/2010/main">
+                  <a14:imgLayer r:embed="rId3">
+                    <a14:imgEffect>
+                      <a14:saturation sat="0"/>
+                    </a14:imgEffect>
+                  </a14:imgLayer>
+                </a14:imgProps>
+              </a:ext>
+              <a:ext uri="{28A0092B-C50C-407E-A947-70E740481C1C}">
+                <a14:useLocalDpi xmlns:a14="http://schemas.microsoft.com/office/drawing/2010/main" val="0"/>
+              </a:ext>
+            </a:extLst>
+          </a:blip>
+          <a:srcRect/>
+          <a:stretch>
+            <a:fillRect/>
+          </a:stretch>
+        </p:blipFill>
+        <p:spPr bwMode="auto">
+          <a:xfrm>
+            <a:off x="10139369" y="-197545"/>
+            <a:ext cx="2052631" cy="1539474"/>
+          </a:xfrm>
+          <a:prstGeom prst="rect">
+            <a:avLst/>
+          </a:prstGeom>
+          <a:noFill/>
+          <a:extLst>
+            <a:ext uri="{909E8E84-426E-40DD-AFC4-6F175D3DCCD1}">
+              <a14:hiddenFill xmlns:a14="http://schemas.microsoft.com/office/drawing/2010/main">
+                <a:solidFill>
+                  <a:srgbClr val="FFFFFF"/>
+                </a:solidFill>
+              </a14:hiddenFill>
+            </a:ext>
+          </a:extLst>
+        </p:spPr>
+      </p:pic>
+      <p:sp>
+        <p:nvSpPr>
+          <p:cNvPr id="6" name="Titolo 1">
+            <a:extLst>
+              <a:ext uri="{FF2B5EF4-FFF2-40B4-BE49-F238E27FC236}">
+                <a16:creationId xmlns:a16="http://schemas.microsoft.com/office/drawing/2014/main" id="{0588E0AF-F088-653C-C3DB-72B870667648}"/>
+              </a:ext>
+            </a:extLst>
+          </p:cNvPr>
+          <p:cNvSpPr>
+            <a:spLocks noGrp="1"/>
+          </p:cNvSpPr>
+          <p:nvPr>
+            <p:ph type="title"/>
+          </p:nvPr>
+        </p:nvSpPr>
+        <p:spPr>
+          <a:xfrm>
+            <a:off x="227806" y="3429000"/>
+            <a:ext cx="11736387" cy="1189038"/>
+          </a:xfrm>
+        </p:spPr>
+        <p:txBody>
+          <a:bodyPr>
+            <a:normAutofit/>
+          </a:bodyPr>
+          <a:lstStyle/>
+          <a:p>
+            <a:pPr algn="ctr"/>
+            <a:r>
+              <a:rPr lang="it-IT" sz="3200" dirty="0"/>
+              <a:t>REGULATION</a:t>
+            </a:r>
+            <a:endParaRPr lang="it-IT" sz="3200" b="0" dirty="0"/>
+          </a:p>
+        </p:txBody>
+      </p:sp>
+    </p:spTree>
+    <p:extLst>
+      <p:ext uri="{BB962C8B-B14F-4D97-AF65-F5344CB8AC3E}">
+        <p14:creationId xmlns:p14="http://schemas.microsoft.com/office/powerpoint/2010/main" val="938110606"/>
+      </p:ext>
+    </p:extLst>
+  </p:cSld>
+  <p:clrMapOvr>
+    <a:masterClrMapping/>
+  </p:clrMapOvr>
+</p:sld>
+</file>
+
+<file path=ppt/slides/slide13.xml><?xml version="1.0" encoding="utf-8"?>
+<p:sld xmlns:a="http://schemas.openxmlformats.org/drawingml/2006/main" xmlns:r="http://schemas.openxmlformats.org/officeDocument/2006/relationships" xmlns:p="http://schemas.openxmlformats.org/presentationml/2006/main">
+  <p:cSld>
+    <p:spTree>
+      <p:nvGrpSpPr>
+        <p:cNvPr id="1" name="">
+          <a:extLst>
+            <a:ext uri="{FF2B5EF4-FFF2-40B4-BE49-F238E27FC236}">
+              <a16:creationId xmlns:a16="http://schemas.microsoft.com/office/drawing/2014/main" id="{398D7437-C486-E564-C8DF-470CC9161213}"/>
+            </a:ext>
+          </a:extLst>
+        </p:cNvPr>
+        <p:cNvGrpSpPr/>
+        <p:nvPr/>
+      </p:nvGrpSpPr>
+      <p:grpSpPr>
+        <a:xfrm>
+          <a:off x="0" y="0"/>
+          <a:ext cx="0" cy="0"/>
+          <a:chOff x="0" y="0"/>
+          <a:chExt cx="0" cy="0"/>
+        </a:xfrm>
+      </p:grpSpPr>
+      <p:pic>
+        <p:nvPicPr>
+          <p:cNvPr id="7" name="Picture 2" descr="Universita' di Padova DEI (Dip Ingegneria Informazione) Accesso PaperCut">
+            <a:extLst>
+              <a:ext uri="{FF2B5EF4-FFF2-40B4-BE49-F238E27FC236}">
+                <a16:creationId xmlns:a16="http://schemas.microsoft.com/office/drawing/2014/main" id="{B32953D4-FE61-D01F-EA0A-19DCE5D11B2F}"/>
+              </a:ext>
+            </a:extLst>
+          </p:cNvPr>
+          <p:cNvPicPr>
+            <a:picLocks noChangeAspect="1" noChangeArrowheads="1"/>
+          </p:cNvPicPr>
+          <p:nvPr/>
+        </p:nvPicPr>
+        <p:blipFill>
+          <a:blip r:embed="rId2" cstate="print">
+            <a:biLevel thresh="25000"/>
+            <a:extLst>
+              <a:ext uri="{BEBA8EAE-BF5A-486C-A8C5-ECC9F3942E4B}">
+                <a14:imgProps xmlns:a14="http://schemas.microsoft.com/office/drawing/2010/main">
+                  <a14:imgLayer r:embed="rId3">
+                    <a14:imgEffect>
+                      <a14:saturation sat="0"/>
+                    </a14:imgEffect>
+                  </a14:imgLayer>
+                </a14:imgProps>
+              </a:ext>
+              <a:ext uri="{28A0092B-C50C-407E-A947-70E740481C1C}">
+                <a14:useLocalDpi xmlns:a14="http://schemas.microsoft.com/office/drawing/2010/main" val="0"/>
+              </a:ext>
+            </a:extLst>
+          </a:blip>
+          <a:srcRect/>
+          <a:stretch>
+            <a:fillRect/>
+          </a:stretch>
+        </p:blipFill>
+        <p:spPr bwMode="auto">
+          <a:xfrm>
+            <a:off x="10139369" y="-197545"/>
+            <a:ext cx="2052631" cy="1539474"/>
+          </a:xfrm>
+          <a:prstGeom prst="rect">
+            <a:avLst/>
+          </a:prstGeom>
+          <a:noFill/>
+          <a:extLst>
+            <a:ext uri="{909E8E84-426E-40DD-AFC4-6F175D3DCCD1}">
+              <a14:hiddenFill xmlns:a14="http://schemas.microsoft.com/office/drawing/2010/main">
+                <a:solidFill>
+                  <a:srgbClr val="FFFFFF"/>
+                </a:solidFill>
+              </a14:hiddenFill>
+            </a:ext>
+          </a:extLst>
+        </p:spPr>
+      </p:pic>
+      <p:sp>
+        <p:nvSpPr>
+          <p:cNvPr id="6" name="Titolo 1">
+            <a:extLst>
+              <a:ext uri="{FF2B5EF4-FFF2-40B4-BE49-F238E27FC236}">
+                <a16:creationId xmlns:a16="http://schemas.microsoft.com/office/drawing/2014/main" id="{DD8BF2DD-E63A-4B77-4378-EB5E5E32FAF1}"/>
+              </a:ext>
+            </a:extLst>
+          </p:cNvPr>
+          <p:cNvSpPr>
+            <a:spLocks noGrp="1"/>
+          </p:cNvSpPr>
+          <p:nvPr>
+            <p:ph type="title"/>
+          </p:nvPr>
+        </p:nvSpPr>
+        <p:spPr>
+          <a:xfrm>
+            <a:off x="456000" y="899221"/>
+            <a:ext cx="11736000" cy="1188000"/>
+          </a:xfrm>
+        </p:spPr>
+        <p:txBody>
+          <a:bodyPr>
+            <a:normAutofit/>
+          </a:bodyPr>
+          <a:lstStyle/>
+          <a:p>
+            <a:pPr algn="ctr"/>
+            <a:r>
+              <a:rPr lang="it-IT" sz="2400" dirty="0" err="1"/>
+              <a:t>Cartesian</a:t>
+            </a:r>
+            <a:r>
+              <a:rPr lang="it-IT" sz="2400" dirty="0"/>
+              <a:t> </a:t>
+            </a:r>
+            <a:r>
+              <a:rPr lang="it-IT" sz="2400" dirty="0" err="1"/>
+              <a:t>regulation</a:t>
+            </a:r>
+            <a:endParaRPr lang="it-IT" sz="2400" dirty="0"/>
+          </a:p>
+        </p:txBody>
+      </p:sp>
+      <p:pic>
+        <p:nvPicPr>
+          <p:cNvPr id="12" name="Immagine 11">
+            <a:extLst>
+              <a:ext uri="{FF2B5EF4-FFF2-40B4-BE49-F238E27FC236}">
+                <a16:creationId xmlns:a16="http://schemas.microsoft.com/office/drawing/2014/main" id="{97EA348F-FDA5-5A0F-B10A-3EF1FD5ACC1E}"/>
+              </a:ext>
+            </a:extLst>
+          </p:cNvPr>
+          <p:cNvPicPr>
+            <a:picLocks noChangeAspect="1"/>
+          </p:cNvPicPr>
+          <p:nvPr/>
+        </p:nvPicPr>
+        <p:blipFill>
+          <a:blip r:embed="rId4"/>
+          <a:stretch>
+            <a:fillRect/>
+          </a:stretch>
+        </p:blipFill>
+        <p:spPr>
+          <a:xfrm>
+            <a:off x="165452" y="4747934"/>
+            <a:ext cx="4308225" cy="283556"/>
+          </a:xfrm>
+          <a:prstGeom prst="rect">
+            <a:avLst/>
+          </a:prstGeom>
+        </p:spPr>
+      </p:pic>
+      <p:pic>
+        <p:nvPicPr>
+          <p:cNvPr id="14" name="Immagine 13">
+            <a:extLst>
+              <a:ext uri="{FF2B5EF4-FFF2-40B4-BE49-F238E27FC236}">
+                <a16:creationId xmlns:a16="http://schemas.microsoft.com/office/drawing/2014/main" id="{FFE7DD4F-F218-57FD-BA18-6CDC9848CE94}"/>
+              </a:ext>
+            </a:extLst>
+          </p:cNvPr>
+          <p:cNvPicPr>
+            <a:picLocks noChangeAspect="1"/>
+          </p:cNvPicPr>
+          <p:nvPr/>
+        </p:nvPicPr>
+        <p:blipFill>
+          <a:blip r:embed="rId5"/>
+          <a:stretch>
+            <a:fillRect/>
+          </a:stretch>
+        </p:blipFill>
+        <p:spPr>
+          <a:xfrm>
+            <a:off x="6680784" y="4747934"/>
+            <a:ext cx="1037541" cy="547364"/>
+          </a:xfrm>
+          <a:prstGeom prst="rect">
+            <a:avLst/>
+          </a:prstGeom>
+        </p:spPr>
+      </p:pic>
+      <p:pic>
+        <p:nvPicPr>
+          <p:cNvPr id="18" name="Immagine 17">
+            <a:extLst>
+              <a:ext uri="{FF2B5EF4-FFF2-40B4-BE49-F238E27FC236}">
+                <a16:creationId xmlns:a16="http://schemas.microsoft.com/office/drawing/2014/main" id="{834C290C-71CA-38F2-A427-A8D439BF8654}"/>
+              </a:ext>
+            </a:extLst>
+          </p:cNvPr>
+          <p:cNvPicPr>
+            <a:picLocks noChangeAspect="1"/>
+          </p:cNvPicPr>
+          <p:nvPr/>
+        </p:nvPicPr>
+        <p:blipFill>
+          <a:blip r:embed="rId6"/>
+          <a:stretch>
+            <a:fillRect/>
+          </a:stretch>
+        </p:blipFill>
+        <p:spPr>
+          <a:xfrm>
+            <a:off x="3684338" y="5958779"/>
+            <a:ext cx="3515216" cy="228632"/>
+          </a:xfrm>
+          <a:prstGeom prst="rect">
+            <a:avLst/>
+          </a:prstGeom>
+        </p:spPr>
+      </p:pic>
+      <p:cxnSp>
+        <p:nvCxnSpPr>
+          <p:cNvPr id="21" name="Connettore 2 20">
+            <a:extLst>
+              <a:ext uri="{FF2B5EF4-FFF2-40B4-BE49-F238E27FC236}">
+                <a16:creationId xmlns:a16="http://schemas.microsoft.com/office/drawing/2014/main" id="{02AB11B3-941C-4383-E553-B1F50DC46C05}"/>
+              </a:ext>
+            </a:extLst>
+          </p:cNvPr>
+          <p:cNvCxnSpPr/>
+          <p:nvPr/>
+        </p:nvCxnSpPr>
+        <p:spPr>
+          <a:xfrm flipH="1">
+            <a:off x="6680784" y="5388077"/>
+            <a:ext cx="132971" cy="570702"/>
+          </a:xfrm>
+          <a:prstGeom prst="straightConnector1">
+            <a:avLst/>
+          </a:prstGeom>
+          <a:ln>
+            <a:solidFill>
+              <a:schemeClr val="tx1"/>
+            </a:solidFill>
+            <a:tailEnd type="triangle"/>
+          </a:ln>
+        </p:spPr>
+        <p:style>
+          <a:lnRef idx="1">
+            <a:schemeClr val="accent1"/>
+          </a:lnRef>
+          <a:fillRef idx="0">
+            <a:schemeClr val="accent1"/>
+          </a:fillRef>
+          <a:effectRef idx="0">
+            <a:schemeClr val="accent1"/>
+          </a:effectRef>
+          <a:fontRef idx="minor">
+            <a:schemeClr val="tx1"/>
+          </a:fontRef>
+        </p:style>
+      </p:cxnSp>
+      <p:pic>
+        <p:nvPicPr>
+          <p:cNvPr id="25" name="Immagine 24">
+            <a:extLst>
+              <a:ext uri="{FF2B5EF4-FFF2-40B4-BE49-F238E27FC236}">
+                <a16:creationId xmlns:a16="http://schemas.microsoft.com/office/drawing/2014/main" id="{72B7DA6D-21F8-C868-102A-2EE469DA4EBA}"/>
+              </a:ext>
+            </a:extLst>
+          </p:cNvPr>
+          <p:cNvPicPr>
+            <a:picLocks noChangeAspect="1"/>
+          </p:cNvPicPr>
+          <p:nvPr/>
+        </p:nvPicPr>
+        <p:blipFill>
+          <a:blip r:embed="rId7"/>
+          <a:stretch>
+            <a:fillRect/>
+          </a:stretch>
+        </p:blipFill>
+        <p:spPr>
+          <a:xfrm>
+            <a:off x="0" y="2047744"/>
+            <a:ext cx="12192000" cy="2762512"/>
+          </a:xfrm>
+          <a:prstGeom prst="rect">
+            <a:avLst/>
+          </a:prstGeom>
+        </p:spPr>
+      </p:pic>
+    </p:spTree>
+    <p:extLst>
+      <p:ext uri="{BB962C8B-B14F-4D97-AF65-F5344CB8AC3E}">
+        <p14:creationId xmlns:p14="http://schemas.microsoft.com/office/powerpoint/2010/main" val="2670027774"/>
+      </p:ext>
+    </p:extLst>
+  </p:cSld>
+  <p:clrMapOvr>
+    <a:masterClrMapping/>
+  </p:clrMapOvr>
+</p:sld>
+</file>
+
+<file path=ppt/slides/slide14.xml><?xml version="1.0" encoding="utf-8"?>
+<p:sld xmlns:a="http://schemas.openxmlformats.org/drawingml/2006/main" xmlns:r="http://schemas.openxmlformats.org/officeDocument/2006/relationships" xmlns:p="http://schemas.openxmlformats.org/presentationml/2006/main">
+  <p:cSld>
+    <p:spTree>
+      <p:nvGrpSpPr>
+        <p:cNvPr id="1" name="">
+          <a:extLst>
+            <a:ext uri="{FF2B5EF4-FFF2-40B4-BE49-F238E27FC236}">
+              <a16:creationId xmlns:a16="http://schemas.microsoft.com/office/drawing/2014/main" id="{61B176EC-2B18-FBCB-5D5D-A823A9D74669}"/>
+            </a:ext>
+          </a:extLst>
+        </p:cNvPr>
+        <p:cNvGrpSpPr/>
+        <p:nvPr/>
+      </p:nvGrpSpPr>
+      <p:grpSpPr>
+        <a:xfrm>
+          <a:off x="0" y="0"/>
+          <a:ext cx="0" cy="0"/>
+          <a:chOff x="0" y="0"/>
+          <a:chExt cx="0" cy="0"/>
+        </a:xfrm>
+      </p:grpSpPr>
+      <p:pic>
+        <p:nvPicPr>
+          <p:cNvPr id="7" name="Picture 2" descr="Universita' di Padova DEI (Dip Ingegneria Informazione) Accesso PaperCut">
+            <a:extLst>
+              <a:ext uri="{FF2B5EF4-FFF2-40B4-BE49-F238E27FC236}">
+                <a16:creationId xmlns:a16="http://schemas.microsoft.com/office/drawing/2014/main" id="{48601711-B436-4078-B564-78E2E4382BAA}"/>
+              </a:ext>
+            </a:extLst>
+          </p:cNvPr>
+          <p:cNvPicPr>
+            <a:picLocks noChangeAspect="1" noChangeArrowheads="1"/>
+          </p:cNvPicPr>
+          <p:nvPr/>
+        </p:nvPicPr>
+        <p:blipFill>
+          <a:blip r:embed="rId2" cstate="print">
+            <a:biLevel thresh="25000"/>
+            <a:extLst>
+              <a:ext uri="{BEBA8EAE-BF5A-486C-A8C5-ECC9F3942E4B}">
+                <a14:imgProps xmlns:a14="http://schemas.microsoft.com/office/drawing/2010/main">
+                  <a14:imgLayer r:embed="rId3">
+                    <a14:imgEffect>
+                      <a14:saturation sat="0"/>
+                    </a14:imgEffect>
+                  </a14:imgLayer>
+                </a14:imgProps>
+              </a:ext>
+              <a:ext uri="{28A0092B-C50C-407E-A947-70E740481C1C}">
+                <a14:useLocalDpi xmlns:a14="http://schemas.microsoft.com/office/drawing/2010/main" val="0"/>
+              </a:ext>
+            </a:extLst>
+          </a:blip>
+          <a:srcRect/>
+          <a:stretch>
+            <a:fillRect/>
+          </a:stretch>
+        </p:blipFill>
+        <p:spPr bwMode="auto">
+          <a:xfrm>
+            <a:off x="10139369" y="-197545"/>
+            <a:ext cx="2052631" cy="1539474"/>
+          </a:xfrm>
+          <a:prstGeom prst="rect">
+            <a:avLst/>
+          </a:prstGeom>
+          <a:noFill/>
+          <a:extLst>
+            <a:ext uri="{909E8E84-426E-40DD-AFC4-6F175D3DCCD1}">
+              <a14:hiddenFill xmlns:a14="http://schemas.microsoft.com/office/drawing/2010/main">
+                <a:solidFill>
+                  <a:srgbClr val="FFFFFF"/>
+                </a:solidFill>
+              </a14:hiddenFill>
+            </a:ext>
+          </a:extLst>
+        </p:spPr>
+      </p:pic>
+      <p:sp>
+        <p:nvSpPr>
+          <p:cNvPr id="6" name="TextBox 8">
+            <a:extLst>
+              <a:ext uri="{FF2B5EF4-FFF2-40B4-BE49-F238E27FC236}">
+                <a16:creationId xmlns:a16="http://schemas.microsoft.com/office/drawing/2014/main" id="{637258AB-5D15-82D3-83FA-3A78F2736D47}"/>
+              </a:ext>
+            </a:extLst>
+          </p:cNvPr>
+          <p:cNvSpPr txBox="1"/>
+          <p:nvPr/>
+        </p:nvSpPr>
+        <p:spPr>
+          <a:xfrm>
+            <a:off x="310551" y="1316966"/>
+            <a:ext cx="4928558" cy="400110"/>
+          </a:xfrm>
+          <a:prstGeom prst="rect">
+            <a:avLst/>
+          </a:prstGeom>
+          <a:noFill/>
+        </p:spPr>
+        <p:txBody>
+          <a:bodyPr rot="0" spcFirstLastPara="0" vertOverflow="overflow" horzOverflow="overflow" vert="horz" wrap="square" lIns="91440" tIns="45720" rIns="91440" bIns="45720" numCol="1" spcCol="0" rtlCol="0" fromWordArt="0" anchor="t" anchorCtr="0" forceAA="0" compatLnSpc="1">
+            <a:prstTxWarp prst="textNoShape">
+              <a:avLst/>
+            </a:prstTxWarp>
+            <a:spAutoFit/>
+          </a:bodyPr>
+          <a:lstStyle/>
+          <a:p>
+            <a:r>
+              <a:rPr lang="it-IT" sz="2000" b="1" dirty="0">
+                <a:cs typeface="Arial"/>
+              </a:rPr>
+              <a:t>Control </a:t>
+            </a:r>
+            <a:r>
+              <a:rPr lang="it-IT" sz="2000" b="1" dirty="0" err="1">
+                <a:cs typeface="Arial"/>
+              </a:rPr>
+              <a:t>law</a:t>
+            </a:r>
+            <a:endParaRPr lang="it-IT" sz="2000" b="1" dirty="0">
+              <a:cs typeface="Arial"/>
+            </a:endParaRPr>
+          </a:p>
+        </p:txBody>
+      </p:sp>
+      <p:sp>
+        <p:nvSpPr>
+          <p:cNvPr id="12" name="Rettangolo 11">
+            <a:extLst>
+              <a:ext uri="{FF2B5EF4-FFF2-40B4-BE49-F238E27FC236}">
+                <a16:creationId xmlns:a16="http://schemas.microsoft.com/office/drawing/2014/main" id="{E43C03FB-48B4-8DAF-E4A7-69A76B6FB8E8}"/>
+              </a:ext>
+            </a:extLst>
+          </p:cNvPr>
+          <p:cNvSpPr/>
+          <p:nvPr/>
+        </p:nvSpPr>
+        <p:spPr>
+          <a:xfrm>
+            <a:off x="2310581" y="1917290"/>
+            <a:ext cx="1071716" cy="613752"/>
+          </a:xfrm>
+          <a:prstGeom prst="rect">
+            <a:avLst/>
+          </a:prstGeom>
+          <a:noFill/>
+          <a:ln>
+            <a:solidFill>
+              <a:srgbClr val="F4FAEB"/>
+            </a:solidFill>
+            <a:prstDash val="dash"/>
+          </a:ln>
+        </p:spPr>
+        <p:style>
+          <a:lnRef idx="2">
+            <a:schemeClr val="accent1">
+              <a:shade val="15000"/>
+            </a:schemeClr>
+          </a:lnRef>
+          <a:fillRef idx="1">
+            <a:schemeClr val="accent1"/>
+          </a:fillRef>
+          <a:effectRef idx="0">
+            <a:schemeClr val="accent1"/>
+          </a:effectRef>
+          <a:fontRef idx="minor">
+            <a:schemeClr val="lt1"/>
+          </a:fontRef>
+        </p:style>
+        <p:txBody>
+          <a:bodyPr rtlCol="0" anchor="ctr"/>
+          <a:lstStyle/>
+          <a:p>
+            <a:pPr algn="ctr"/>
+            <a:endParaRPr lang="it-IT"/>
+          </a:p>
+        </p:txBody>
+      </p:sp>
+      <p:sp>
+        <p:nvSpPr>
+          <p:cNvPr id="14" name="Rettangolo 13">
+            <a:extLst>
+              <a:ext uri="{FF2B5EF4-FFF2-40B4-BE49-F238E27FC236}">
+                <a16:creationId xmlns:a16="http://schemas.microsoft.com/office/drawing/2014/main" id="{76670D63-C23A-13AA-C3D2-01E8562CB4D7}"/>
+              </a:ext>
+            </a:extLst>
+          </p:cNvPr>
+          <p:cNvSpPr/>
+          <p:nvPr/>
+        </p:nvSpPr>
+        <p:spPr>
+          <a:xfrm>
+            <a:off x="2310581" y="1917290"/>
+            <a:ext cx="1071716" cy="613752"/>
+          </a:xfrm>
+          <a:prstGeom prst="rect">
+            <a:avLst/>
+          </a:prstGeom>
+          <a:noFill/>
+          <a:ln>
+            <a:solidFill>
+              <a:srgbClr val="F4FAEB"/>
+            </a:solidFill>
+            <a:prstDash val="dash"/>
+          </a:ln>
+        </p:spPr>
+        <p:style>
+          <a:lnRef idx="2">
+            <a:schemeClr val="accent1">
+              <a:shade val="15000"/>
+            </a:schemeClr>
+          </a:lnRef>
+          <a:fillRef idx="1">
+            <a:schemeClr val="accent1"/>
+          </a:fillRef>
+          <a:effectRef idx="0">
+            <a:schemeClr val="accent1"/>
+          </a:effectRef>
+          <a:fontRef idx="minor">
+            <a:schemeClr val="lt1"/>
+          </a:fontRef>
+        </p:style>
+        <p:txBody>
+          <a:bodyPr rtlCol="0" anchor="ctr"/>
+          <a:lstStyle/>
+          <a:p>
+            <a:pPr algn="ctr"/>
+            <a:endParaRPr lang="it-IT"/>
+          </a:p>
+        </p:txBody>
+      </p:sp>
+      <p:pic>
+        <p:nvPicPr>
+          <p:cNvPr id="3" name="Immagine 2">
+            <a:extLst>
+              <a:ext uri="{FF2B5EF4-FFF2-40B4-BE49-F238E27FC236}">
+                <a16:creationId xmlns:a16="http://schemas.microsoft.com/office/drawing/2014/main" id="{1237BD53-700D-E08C-EA58-07C964F782D3}"/>
+              </a:ext>
+            </a:extLst>
+          </p:cNvPr>
+          <p:cNvPicPr>
+            <a:picLocks noChangeAspect="1"/>
+          </p:cNvPicPr>
+          <p:nvPr/>
+        </p:nvPicPr>
+        <p:blipFill>
+          <a:blip r:embed="rId4"/>
+          <a:srcRect l="25645" r="54839" b="35674"/>
+          <a:stretch/>
+        </p:blipFill>
+        <p:spPr>
+          <a:xfrm>
+            <a:off x="8406740" y="1341929"/>
+            <a:ext cx="2379407" cy="1777004"/>
+          </a:xfrm>
+          <a:prstGeom prst="rect">
+            <a:avLst/>
+          </a:prstGeom>
+        </p:spPr>
+      </p:pic>
+      <p:pic>
+        <p:nvPicPr>
+          <p:cNvPr id="10" name="Immagine 9">
+            <a:extLst>
+              <a:ext uri="{FF2B5EF4-FFF2-40B4-BE49-F238E27FC236}">
+                <a16:creationId xmlns:a16="http://schemas.microsoft.com/office/drawing/2014/main" id="{B0597AB3-0EEA-AE74-6355-6EB426E671D6}"/>
+              </a:ext>
+            </a:extLst>
+          </p:cNvPr>
+          <p:cNvPicPr>
+            <a:picLocks noChangeAspect="1"/>
+          </p:cNvPicPr>
+          <p:nvPr/>
+        </p:nvPicPr>
+        <p:blipFill>
+          <a:blip r:embed="rId5"/>
+          <a:stretch>
+            <a:fillRect/>
+          </a:stretch>
+        </p:blipFill>
+        <p:spPr>
+          <a:xfrm>
+            <a:off x="2180145" y="1717076"/>
+            <a:ext cx="3705742" cy="1228896"/>
+          </a:xfrm>
+          <a:prstGeom prst="rect">
+            <a:avLst/>
+          </a:prstGeom>
+        </p:spPr>
+      </p:pic>
+      <p:pic>
+        <p:nvPicPr>
+          <p:cNvPr id="13" name="Immagine 12">
+            <a:extLst>
+              <a:ext uri="{FF2B5EF4-FFF2-40B4-BE49-F238E27FC236}">
+                <a16:creationId xmlns:a16="http://schemas.microsoft.com/office/drawing/2014/main" id="{37A299E2-F327-033E-CC15-16401A2B281D}"/>
+              </a:ext>
+            </a:extLst>
+          </p:cNvPr>
+          <p:cNvPicPr>
+            <a:picLocks noChangeAspect="1"/>
+          </p:cNvPicPr>
+          <p:nvPr/>
+        </p:nvPicPr>
+        <p:blipFill>
+          <a:blip r:embed="rId6"/>
+          <a:stretch>
+            <a:fillRect/>
+          </a:stretch>
+        </p:blipFill>
+        <p:spPr>
+          <a:xfrm>
+            <a:off x="8720983" y="4111134"/>
+            <a:ext cx="2165637" cy="547273"/>
+          </a:xfrm>
+          <a:prstGeom prst="rect">
+            <a:avLst/>
+          </a:prstGeom>
+        </p:spPr>
+      </p:pic>
+      <p:cxnSp>
+        <p:nvCxnSpPr>
+          <p:cNvPr id="19" name="Connettore 2 18">
+            <a:extLst>
+              <a:ext uri="{FF2B5EF4-FFF2-40B4-BE49-F238E27FC236}">
+                <a16:creationId xmlns:a16="http://schemas.microsoft.com/office/drawing/2014/main" id="{1C1B92DD-01DD-42C8-BAEC-BA9823723305}"/>
+              </a:ext>
+            </a:extLst>
+          </p:cNvPr>
+          <p:cNvCxnSpPr/>
+          <p:nvPr/>
+        </p:nvCxnSpPr>
+        <p:spPr>
+          <a:xfrm flipH="1" flipV="1">
+            <a:off x="5872294" y="2946010"/>
+            <a:ext cx="2548039" cy="966019"/>
+          </a:xfrm>
+          <a:prstGeom prst="straightConnector1">
+            <a:avLst/>
+          </a:prstGeom>
+          <a:ln>
+            <a:solidFill>
+              <a:schemeClr val="tx1"/>
+            </a:solidFill>
+            <a:tailEnd type="triangle"/>
+          </a:ln>
+        </p:spPr>
+        <p:style>
+          <a:lnRef idx="1">
+            <a:schemeClr val="accent1"/>
+          </a:lnRef>
+          <a:fillRef idx="0">
+            <a:schemeClr val="accent1"/>
+          </a:fillRef>
+          <a:effectRef idx="0">
+            <a:schemeClr val="accent1"/>
+          </a:effectRef>
+          <a:fontRef idx="minor">
+            <a:schemeClr val="tx1"/>
+          </a:fontRef>
+        </p:style>
+      </p:cxnSp>
+      <p:pic>
+        <p:nvPicPr>
+          <p:cNvPr id="24" name="Immagine 23" descr="Immagine che contiene testo, Diagramma, linea, diagramma&#10;&#10;Descrizione generata automaticamente">
+            <a:extLst>
+              <a:ext uri="{FF2B5EF4-FFF2-40B4-BE49-F238E27FC236}">
+                <a16:creationId xmlns:a16="http://schemas.microsoft.com/office/drawing/2014/main" id="{502CB1F0-4C5C-07AF-7EC1-E9940E0D1B0B}"/>
+              </a:ext>
+            </a:extLst>
+          </p:cNvPr>
+          <p:cNvPicPr>
+            <a:picLocks noChangeAspect="1"/>
+          </p:cNvPicPr>
+          <p:nvPr/>
+        </p:nvPicPr>
+        <p:blipFill>
+          <a:blip r:embed="rId7">
+            <a:extLst>
+              <a:ext uri="{28A0092B-C50C-407E-A947-70E740481C1C}">
+                <a14:useLocalDpi xmlns:a14="http://schemas.microsoft.com/office/drawing/2010/main" val="0"/>
+              </a:ext>
+            </a:extLst>
+          </a:blip>
+          <a:srcRect l="4728" t="6203" r="7235"/>
+          <a:stretch/>
+        </p:blipFill>
+        <p:spPr>
+          <a:xfrm>
+            <a:off x="146329" y="3146186"/>
+            <a:ext cx="4328504" cy="3458792"/>
+          </a:xfrm>
+          <a:prstGeom prst="rect">
+            <a:avLst/>
+          </a:prstGeom>
+        </p:spPr>
+      </p:pic>
+    </p:spTree>
+    <p:extLst>
+      <p:ext uri="{BB962C8B-B14F-4D97-AF65-F5344CB8AC3E}">
+        <p14:creationId xmlns:p14="http://schemas.microsoft.com/office/powerpoint/2010/main" val="2112049716"/>
+      </p:ext>
+    </p:extLst>
+  </p:cSld>
+  <p:clrMapOvr>
+    <a:masterClrMapping/>
+  </p:clrMapOvr>
+</p:sld>
+</file>
+
+<file path=ppt/slides/slide15.xml><?xml version="1.0" encoding="utf-8"?>
+<p:sld xmlns:a="http://schemas.openxmlformats.org/drawingml/2006/main" xmlns:r="http://schemas.openxmlformats.org/officeDocument/2006/relationships" xmlns:p="http://schemas.openxmlformats.org/presentationml/2006/main">
+  <p:cSld>
+    <p:spTree>
+      <p:nvGrpSpPr>
+        <p:cNvPr id="1" name="">
+          <a:extLst>
+            <a:ext uri="{FF2B5EF4-FFF2-40B4-BE49-F238E27FC236}">
+              <a16:creationId xmlns:a16="http://schemas.microsoft.com/office/drawing/2014/main" id="{D15DCAE3-213A-B18A-9D3E-61929C037ECC}"/>
+            </a:ext>
+          </a:extLst>
+        </p:cNvPr>
+        <p:cNvGrpSpPr/>
+        <p:nvPr/>
+      </p:nvGrpSpPr>
+      <p:grpSpPr>
+        <a:xfrm>
+          <a:off x="0" y="0"/>
+          <a:ext cx="0" cy="0"/>
+          <a:chOff x="0" y="0"/>
+          <a:chExt cx="0" cy="0"/>
+        </a:xfrm>
+      </p:grpSpPr>
+      <p:pic>
+        <p:nvPicPr>
+          <p:cNvPr id="7" name="Picture 2" descr="Universita' di Padova DEI (Dip Ingegneria Informazione) Accesso PaperCut">
+            <a:extLst>
+              <a:ext uri="{FF2B5EF4-FFF2-40B4-BE49-F238E27FC236}">
+                <a16:creationId xmlns:a16="http://schemas.microsoft.com/office/drawing/2014/main" id="{8B9F64AE-6FAF-AE95-7E64-AED047B5E3C5}"/>
+              </a:ext>
+            </a:extLst>
+          </p:cNvPr>
+          <p:cNvPicPr>
+            <a:picLocks noChangeAspect="1" noChangeArrowheads="1"/>
+          </p:cNvPicPr>
+          <p:nvPr/>
+        </p:nvPicPr>
+        <p:blipFill>
+          <a:blip r:embed="rId2" cstate="print">
+            <a:biLevel thresh="25000"/>
+            <a:extLst>
+              <a:ext uri="{BEBA8EAE-BF5A-486C-A8C5-ECC9F3942E4B}">
+                <a14:imgProps xmlns:a14="http://schemas.microsoft.com/office/drawing/2010/main">
+                  <a14:imgLayer r:embed="rId3">
+                    <a14:imgEffect>
+                      <a14:saturation sat="0"/>
+                    </a14:imgEffect>
+                  </a14:imgLayer>
+                </a14:imgProps>
+              </a:ext>
+              <a:ext uri="{28A0092B-C50C-407E-A947-70E740481C1C}">
+                <a14:useLocalDpi xmlns:a14="http://schemas.microsoft.com/office/drawing/2010/main" val="0"/>
+              </a:ext>
+            </a:extLst>
+          </a:blip>
+          <a:srcRect/>
+          <a:stretch>
+            <a:fillRect/>
+          </a:stretch>
+        </p:blipFill>
+        <p:spPr bwMode="auto">
+          <a:xfrm>
+            <a:off x="10139369" y="-197545"/>
+            <a:ext cx="2052631" cy="1539474"/>
+          </a:xfrm>
+          <a:prstGeom prst="rect">
+            <a:avLst/>
+          </a:prstGeom>
+          <a:noFill/>
+          <a:extLst>
+            <a:ext uri="{909E8E84-426E-40DD-AFC4-6F175D3DCCD1}">
+              <a14:hiddenFill xmlns:a14="http://schemas.microsoft.com/office/drawing/2010/main">
+                <a:solidFill>
+                  <a:srgbClr val="FFFFFF"/>
+                </a:solidFill>
+              </a14:hiddenFill>
+            </a:ext>
+          </a:extLst>
+        </p:spPr>
+      </p:pic>
+      <p:sp>
+        <p:nvSpPr>
+          <p:cNvPr id="6" name="Titolo 1">
+            <a:extLst>
+              <a:ext uri="{FF2B5EF4-FFF2-40B4-BE49-F238E27FC236}">
+                <a16:creationId xmlns:a16="http://schemas.microsoft.com/office/drawing/2014/main" id="{FBFA34E2-CB33-28C2-1BE6-9636E2AA65C4}"/>
+              </a:ext>
+            </a:extLst>
+          </p:cNvPr>
+          <p:cNvSpPr>
+            <a:spLocks noGrp="1"/>
+          </p:cNvSpPr>
+          <p:nvPr>
+            <p:ph type="title"/>
+          </p:nvPr>
+        </p:nvSpPr>
+        <p:spPr>
+          <a:xfrm>
+            <a:off x="456000" y="899221"/>
+            <a:ext cx="11736000" cy="1188000"/>
+          </a:xfrm>
+        </p:spPr>
+        <p:txBody>
+          <a:bodyPr>
+            <a:normAutofit/>
+          </a:bodyPr>
+          <a:lstStyle/>
+          <a:p>
+            <a:pPr algn="ctr"/>
+            <a:r>
+              <a:rPr lang="it-IT" sz="2400" dirty="0"/>
+              <a:t>Pose </a:t>
+            </a:r>
+            <a:r>
+              <a:rPr lang="it-IT" sz="2400" dirty="0" err="1"/>
+              <a:t>regulation</a:t>
+            </a:r>
+            <a:endParaRPr lang="it-IT" sz="2400" dirty="0"/>
+          </a:p>
+        </p:txBody>
+      </p:sp>
+      <p:pic>
+        <p:nvPicPr>
+          <p:cNvPr id="18" name="Immagine 17">
+            <a:extLst>
+              <a:ext uri="{FF2B5EF4-FFF2-40B4-BE49-F238E27FC236}">
+                <a16:creationId xmlns:a16="http://schemas.microsoft.com/office/drawing/2014/main" id="{BC7382F1-E3B5-D0E3-B819-DA8E49EC2522}"/>
+              </a:ext>
+            </a:extLst>
+          </p:cNvPr>
+          <p:cNvPicPr>
+            <a:picLocks noChangeAspect="1"/>
+          </p:cNvPicPr>
+          <p:nvPr/>
+        </p:nvPicPr>
+        <p:blipFill>
+          <a:blip r:embed="rId4"/>
+          <a:stretch>
+            <a:fillRect/>
+          </a:stretch>
+        </p:blipFill>
+        <p:spPr>
+          <a:xfrm>
+            <a:off x="3684338" y="5958779"/>
+            <a:ext cx="3515216" cy="228632"/>
+          </a:xfrm>
+          <a:prstGeom prst="rect">
+            <a:avLst/>
+          </a:prstGeom>
+        </p:spPr>
+      </p:pic>
+      <p:cxnSp>
+        <p:nvCxnSpPr>
+          <p:cNvPr id="21" name="Connettore 2 20">
+            <a:extLst>
+              <a:ext uri="{FF2B5EF4-FFF2-40B4-BE49-F238E27FC236}">
+                <a16:creationId xmlns:a16="http://schemas.microsoft.com/office/drawing/2014/main" id="{783552FE-DAC7-2B9F-C2EE-6A034AA9647B}"/>
+              </a:ext>
+            </a:extLst>
+          </p:cNvPr>
+          <p:cNvCxnSpPr/>
+          <p:nvPr/>
+        </p:nvCxnSpPr>
+        <p:spPr>
+          <a:xfrm flipH="1">
+            <a:off x="6680784" y="5388077"/>
+            <a:ext cx="132971" cy="570702"/>
+          </a:xfrm>
+          <a:prstGeom prst="straightConnector1">
+            <a:avLst/>
+          </a:prstGeom>
+          <a:ln>
+            <a:solidFill>
+              <a:schemeClr val="tx1"/>
+            </a:solidFill>
+            <a:tailEnd type="triangle"/>
+          </a:ln>
+        </p:spPr>
+        <p:style>
+          <a:lnRef idx="1">
+            <a:schemeClr val="accent1"/>
+          </a:lnRef>
+          <a:fillRef idx="0">
+            <a:schemeClr val="accent1"/>
+          </a:fillRef>
+          <a:effectRef idx="0">
+            <a:schemeClr val="accent1"/>
+          </a:effectRef>
+          <a:fontRef idx="minor">
+            <a:schemeClr val="tx1"/>
+          </a:fontRef>
+        </p:style>
+      </p:cxnSp>
+      <p:pic>
+        <p:nvPicPr>
+          <p:cNvPr id="3" name="Immagine 2">
+            <a:extLst>
+              <a:ext uri="{FF2B5EF4-FFF2-40B4-BE49-F238E27FC236}">
+                <a16:creationId xmlns:a16="http://schemas.microsoft.com/office/drawing/2014/main" id="{CC56F184-1CA3-C4AA-1074-87FB84EE5806}"/>
+              </a:ext>
+            </a:extLst>
+          </p:cNvPr>
+          <p:cNvPicPr>
+            <a:picLocks noChangeAspect="1"/>
+          </p:cNvPicPr>
+          <p:nvPr/>
+        </p:nvPicPr>
+        <p:blipFill>
+          <a:blip r:embed="rId5"/>
+          <a:stretch>
+            <a:fillRect/>
+          </a:stretch>
+        </p:blipFill>
+        <p:spPr>
+          <a:xfrm>
+            <a:off x="0" y="1912631"/>
+            <a:ext cx="12192000" cy="2373524"/>
+          </a:xfrm>
+          <a:prstGeom prst="rect">
+            <a:avLst/>
+          </a:prstGeom>
+        </p:spPr>
+      </p:pic>
+      <p:pic>
+        <p:nvPicPr>
+          <p:cNvPr id="5" name="Immagine 4">
+            <a:extLst>
+              <a:ext uri="{FF2B5EF4-FFF2-40B4-BE49-F238E27FC236}">
+                <a16:creationId xmlns:a16="http://schemas.microsoft.com/office/drawing/2014/main" id="{75C34815-6FED-FC07-A93C-17AF8298882C}"/>
+              </a:ext>
+            </a:extLst>
+          </p:cNvPr>
+          <p:cNvPicPr>
+            <a:picLocks noChangeAspect="1"/>
+          </p:cNvPicPr>
+          <p:nvPr/>
+        </p:nvPicPr>
+        <p:blipFill>
+          <a:blip r:embed="rId6"/>
+          <a:stretch>
+            <a:fillRect/>
+          </a:stretch>
+        </p:blipFill>
+        <p:spPr>
+          <a:xfrm>
+            <a:off x="6813755" y="4812173"/>
+            <a:ext cx="1333686" cy="581106"/>
+          </a:xfrm>
+          <a:prstGeom prst="rect">
+            <a:avLst/>
+          </a:prstGeom>
+        </p:spPr>
+      </p:pic>
+      <p:pic>
+        <p:nvPicPr>
+          <p:cNvPr id="9" name="Immagine 8">
+            <a:extLst>
+              <a:ext uri="{FF2B5EF4-FFF2-40B4-BE49-F238E27FC236}">
+                <a16:creationId xmlns:a16="http://schemas.microsoft.com/office/drawing/2014/main" id="{3C3D0078-BF6C-F641-32BD-798432D2C85F}"/>
+              </a:ext>
+            </a:extLst>
+          </p:cNvPr>
+          <p:cNvPicPr>
+            <a:picLocks noChangeAspect="1"/>
+          </p:cNvPicPr>
+          <p:nvPr/>
+        </p:nvPicPr>
+        <p:blipFill>
+          <a:blip r:embed="rId7"/>
+          <a:stretch>
+            <a:fillRect/>
+          </a:stretch>
+        </p:blipFill>
+        <p:spPr>
+          <a:xfrm>
+            <a:off x="279548" y="4893728"/>
+            <a:ext cx="3019846" cy="295316"/>
+          </a:xfrm>
+          <a:prstGeom prst="rect">
+            <a:avLst/>
+          </a:prstGeom>
+        </p:spPr>
+      </p:pic>
+      <p:sp>
+        <p:nvSpPr>
+          <p:cNvPr id="10" name="Segno di moltiplicazione 9">
+            <a:extLst>
+              <a:ext uri="{FF2B5EF4-FFF2-40B4-BE49-F238E27FC236}">
+                <a16:creationId xmlns:a16="http://schemas.microsoft.com/office/drawing/2014/main" id="{DC3B0ECC-037F-4559-6480-A96CECB290FC}"/>
+              </a:ext>
+            </a:extLst>
+          </p:cNvPr>
+          <p:cNvSpPr/>
+          <p:nvPr/>
+        </p:nvSpPr>
+        <p:spPr>
+          <a:xfrm>
+            <a:off x="5821868" y="5936625"/>
+            <a:ext cx="481780" cy="386699"/>
+          </a:xfrm>
+          <a:prstGeom prst="mathMultiply">
+            <a:avLst/>
+          </a:prstGeom>
+          <a:solidFill>
+            <a:srgbClr val="FF0000"/>
+          </a:solidFill>
+          <a:ln>
+            <a:solidFill>
+              <a:srgbClr val="FF0000"/>
+            </a:solidFill>
+          </a:ln>
+        </p:spPr>
+        <p:style>
+          <a:lnRef idx="2">
+            <a:schemeClr val="accent1">
+              <a:shade val="15000"/>
+            </a:schemeClr>
+          </a:lnRef>
+          <a:fillRef idx="1">
+            <a:schemeClr val="accent1"/>
+          </a:fillRef>
+          <a:effectRef idx="0">
+            <a:schemeClr val="accent1"/>
+          </a:effectRef>
+          <a:fontRef idx="minor">
+            <a:schemeClr val="lt1"/>
+          </a:fontRef>
+        </p:style>
+        <p:txBody>
+          <a:bodyPr rtlCol="0" anchor="ctr"/>
+          <a:lstStyle/>
+          <a:p>
+            <a:pPr algn="ctr"/>
+            <a:endParaRPr lang="it-IT"/>
+          </a:p>
+        </p:txBody>
+      </p:sp>
+    </p:spTree>
+    <p:extLst>
+      <p:ext uri="{BB962C8B-B14F-4D97-AF65-F5344CB8AC3E}">
+        <p14:creationId xmlns:p14="http://schemas.microsoft.com/office/powerpoint/2010/main" val="2437625360"/>
+      </p:ext>
+    </p:extLst>
+  </p:cSld>
+  <p:clrMapOvr>
+    <a:masterClrMapping/>
+  </p:clrMapOvr>
+</p:sld>
+</file>
+
+<file path=ppt/slides/slide16.xml><?xml version="1.0" encoding="utf-8"?>
+<p:sld xmlns:a="http://schemas.openxmlformats.org/drawingml/2006/main" xmlns:r="http://schemas.openxmlformats.org/officeDocument/2006/relationships" xmlns:p="http://schemas.openxmlformats.org/presentationml/2006/main">
+  <p:cSld>
+    <p:spTree>
+      <p:nvGrpSpPr>
+        <p:cNvPr id="1" name="">
+          <a:extLst>
+            <a:ext uri="{FF2B5EF4-FFF2-40B4-BE49-F238E27FC236}">
+              <a16:creationId xmlns:a16="http://schemas.microsoft.com/office/drawing/2014/main" id="{78A92E5E-B171-BBA0-BD38-387A65817549}"/>
+            </a:ext>
+          </a:extLst>
+        </p:cNvPr>
+        <p:cNvGrpSpPr/>
+        <p:nvPr/>
+      </p:nvGrpSpPr>
+      <p:grpSpPr>
+        <a:xfrm>
+          <a:off x="0" y="0"/>
+          <a:ext cx="0" cy="0"/>
+          <a:chOff x="0" y="0"/>
+          <a:chExt cx="0" cy="0"/>
+        </a:xfrm>
+      </p:grpSpPr>
+      <p:pic>
+        <p:nvPicPr>
+          <p:cNvPr id="7" name="Picture 2" descr="Universita' di Padova DEI (Dip Ingegneria Informazione) Accesso PaperCut">
+            <a:extLst>
+              <a:ext uri="{FF2B5EF4-FFF2-40B4-BE49-F238E27FC236}">
+                <a16:creationId xmlns:a16="http://schemas.microsoft.com/office/drawing/2014/main" id="{0C3FB6F6-22AE-DBAD-9B51-5C82CDDE78E3}"/>
+              </a:ext>
+            </a:extLst>
+          </p:cNvPr>
+          <p:cNvPicPr>
+            <a:picLocks noChangeAspect="1" noChangeArrowheads="1"/>
+          </p:cNvPicPr>
+          <p:nvPr/>
+        </p:nvPicPr>
+        <p:blipFill>
+          <a:blip r:embed="rId2" cstate="print">
+            <a:biLevel thresh="25000"/>
+            <a:extLst>
+              <a:ext uri="{BEBA8EAE-BF5A-486C-A8C5-ECC9F3942E4B}">
+                <a14:imgProps xmlns:a14="http://schemas.microsoft.com/office/drawing/2010/main">
+                  <a14:imgLayer r:embed="rId3">
+                    <a14:imgEffect>
+                      <a14:saturation sat="0"/>
+                    </a14:imgEffect>
+                  </a14:imgLayer>
+                </a14:imgProps>
+              </a:ext>
+              <a:ext uri="{28A0092B-C50C-407E-A947-70E740481C1C}">
+                <a14:useLocalDpi xmlns:a14="http://schemas.microsoft.com/office/drawing/2010/main" val="0"/>
+              </a:ext>
+            </a:extLst>
+          </a:blip>
+          <a:srcRect/>
+          <a:stretch>
+            <a:fillRect/>
+          </a:stretch>
+        </p:blipFill>
+        <p:spPr bwMode="auto">
+          <a:xfrm>
+            <a:off x="10139369" y="-197545"/>
+            <a:ext cx="2052631" cy="1539474"/>
+          </a:xfrm>
+          <a:prstGeom prst="rect">
+            <a:avLst/>
+          </a:prstGeom>
+          <a:noFill/>
+          <a:extLst>
+            <a:ext uri="{909E8E84-426E-40DD-AFC4-6F175D3DCCD1}">
+              <a14:hiddenFill xmlns:a14="http://schemas.microsoft.com/office/drawing/2010/main">
+                <a:solidFill>
+                  <a:srgbClr val="FFFFFF"/>
+                </a:solidFill>
+              </a14:hiddenFill>
+            </a:ext>
+          </a:extLst>
+        </p:spPr>
+      </p:pic>
+      <p:sp>
+        <p:nvSpPr>
+          <p:cNvPr id="10" name="TextBox 8">
+            <a:extLst>
+              <a:ext uri="{FF2B5EF4-FFF2-40B4-BE49-F238E27FC236}">
+                <a16:creationId xmlns:a16="http://schemas.microsoft.com/office/drawing/2014/main" id="{300BEFAD-26FE-BFF7-27A0-A05260B4FDAB}"/>
+              </a:ext>
+            </a:extLst>
+          </p:cNvPr>
+          <p:cNvSpPr txBox="1"/>
+          <p:nvPr/>
+        </p:nvSpPr>
+        <p:spPr>
+          <a:xfrm>
+            <a:off x="310551" y="1316966"/>
+            <a:ext cx="4928558" cy="400110"/>
+          </a:xfrm>
+          <a:prstGeom prst="rect">
+            <a:avLst/>
+          </a:prstGeom>
+          <a:noFill/>
+        </p:spPr>
+        <p:txBody>
+          <a:bodyPr rot="0" spcFirstLastPara="0" vertOverflow="overflow" horzOverflow="overflow" vert="horz" wrap="square" lIns="91440" tIns="45720" rIns="91440" bIns="45720" numCol="1" spcCol="0" rtlCol="0" fromWordArt="0" anchor="t" anchorCtr="0" forceAA="0" compatLnSpc="1">
+            <a:prstTxWarp prst="textNoShape">
+              <a:avLst/>
+            </a:prstTxWarp>
+            <a:spAutoFit/>
+          </a:bodyPr>
+          <a:lstStyle/>
+          <a:p>
+            <a:r>
+              <a:rPr lang="it-IT" sz="2000" b="1" dirty="0">
+                <a:cs typeface="Arial"/>
+              </a:rPr>
+              <a:t>State </a:t>
+            </a:r>
+            <a:r>
+              <a:rPr lang="it-IT" sz="2000" b="1" dirty="0" err="1">
+                <a:cs typeface="Arial"/>
+              </a:rPr>
+              <a:t>trasformation</a:t>
+            </a:r>
+            <a:endParaRPr lang="it-IT" sz="2000" b="1" dirty="0">
+              <a:cs typeface="Arial"/>
+            </a:endParaRPr>
+          </a:p>
+        </p:txBody>
+      </p:sp>
+      <p:pic>
+        <p:nvPicPr>
+          <p:cNvPr id="3" name="Immagine 2">
+            <a:extLst>
+              <a:ext uri="{FF2B5EF4-FFF2-40B4-BE49-F238E27FC236}">
+                <a16:creationId xmlns:a16="http://schemas.microsoft.com/office/drawing/2014/main" id="{69436E61-86E9-25EF-701E-39ABAC5ABDD5}"/>
+              </a:ext>
+            </a:extLst>
+          </p:cNvPr>
+          <p:cNvPicPr>
+            <a:picLocks noChangeAspect="1"/>
+          </p:cNvPicPr>
+          <p:nvPr/>
+        </p:nvPicPr>
+        <p:blipFill>
+          <a:blip r:embed="rId4"/>
+          <a:stretch>
+            <a:fillRect/>
+          </a:stretch>
+        </p:blipFill>
+        <p:spPr>
+          <a:xfrm>
+            <a:off x="7585242" y="1207635"/>
+            <a:ext cx="1834062" cy="1648232"/>
+          </a:xfrm>
+          <a:prstGeom prst="rect">
+            <a:avLst/>
+          </a:prstGeom>
+        </p:spPr>
+      </p:pic>
+      <p:pic>
+        <p:nvPicPr>
+          <p:cNvPr id="6" name="Immagine 5">
+            <a:extLst>
+              <a:ext uri="{FF2B5EF4-FFF2-40B4-BE49-F238E27FC236}">
+                <a16:creationId xmlns:a16="http://schemas.microsoft.com/office/drawing/2014/main" id="{73C4039B-BB82-C3CA-36E6-5CA38B9EAAA8}"/>
+              </a:ext>
+            </a:extLst>
+          </p:cNvPr>
+          <p:cNvPicPr>
+            <a:picLocks noChangeAspect="1"/>
+          </p:cNvPicPr>
+          <p:nvPr/>
+        </p:nvPicPr>
+        <p:blipFill>
+          <a:blip r:embed="rId5"/>
+          <a:stretch>
+            <a:fillRect/>
+          </a:stretch>
+        </p:blipFill>
+        <p:spPr>
+          <a:xfrm>
+            <a:off x="310551" y="1921049"/>
+            <a:ext cx="2488074" cy="4713431"/>
+          </a:xfrm>
+          <a:prstGeom prst="rect">
+            <a:avLst/>
+          </a:prstGeom>
+        </p:spPr>
+      </p:pic>
+    </p:spTree>
+    <p:extLst>
+      <p:ext uri="{BB962C8B-B14F-4D97-AF65-F5344CB8AC3E}">
+        <p14:creationId xmlns:p14="http://schemas.microsoft.com/office/powerpoint/2010/main" val="3487103665"/>
+      </p:ext>
+    </p:extLst>
+  </p:cSld>
+  <p:clrMapOvr>
+    <a:masterClrMapping/>
+  </p:clrMapOvr>
+</p:sld>
+</file>
+
+<file path=ppt/slides/slide17.xml><?xml version="1.0" encoding="utf-8"?>
+<p:sld xmlns:a="http://schemas.openxmlformats.org/drawingml/2006/main" xmlns:r="http://schemas.openxmlformats.org/officeDocument/2006/relationships" xmlns:p="http://schemas.openxmlformats.org/presentationml/2006/main">
+  <p:cSld>
+    <p:spTree>
+      <p:nvGrpSpPr>
+        <p:cNvPr id="1" name="">
+          <a:extLst>
+            <a:ext uri="{FF2B5EF4-FFF2-40B4-BE49-F238E27FC236}">
+              <a16:creationId xmlns:a16="http://schemas.microsoft.com/office/drawing/2014/main" id="{4F9F81C5-191B-A54C-8AB2-2BF663C79372}"/>
+            </a:ext>
+          </a:extLst>
+        </p:cNvPr>
+        <p:cNvGrpSpPr/>
+        <p:nvPr/>
+      </p:nvGrpSpPr>
+      <p:grpSpPr>
+        <a:xfrm>
+          <a:off x="0" y="0"/>
+          <a:ext cx="0" cy="0"/>
+          <a:chOff x="0" y="0"/>
+          <a:chExt cx="0" cy="0"/>
+        </a:xfrm>
+      </p:grpSpPr>
+      <p:pic>
+        <p:nvPicPr>
+          <p:cNvPr id="4" name="Immagine 3">
+            <a:extLst>
+              <a:ext uri="{FF2B5EF4-FFF2-40B4-BE49-F238E27FC236}">
+                <a16:creationId xmlns:a16="http://schemas.microsoft.com/office/drawing/2014/main" id="{563EF862-7AD8-7FFA-9B70-BD783A99ABC7}"/>
+              </a:ext>
+            </a:extLst>
+          </p:cNvPr>
+          <p:cNvPicPr>
+            <a:picLocks noChangeAspect="1"/>
+          </p:cNvPicPr>
+          <p:nvPr/>
+        </p:nvPicPr>
+        <p:blipFill>
+          <a:blip r:embed="rId2"/>
+          <a:stretch>
+            <a:fillRect/>
+          </a:stretch>
+        </p:blipFill>
+        <p:spPr>
+          <a:xfrm>
+            <a:off x="2062786" y="1250243"/>
+            <a:ext cx="5477639" cy="1962424"/>
+          </a:xfrm>
+          <a:prstGeom prst="rect">
+            <a:avLst/>
+          </a:prstGeom>
+        </p:spPr>
+      </p:pic>
+      <p:pic>
+        <p:nvPicPr>
+          <p:cNvPr id="7" name="Picture 2" descr="Universita' di Padova DEI (Dip Ingegneria Informazione) Accesso PaperCut">
+            <a:extLst>
+              <a:ext uri="{FF2B5EF4-FFF2-40B4-BE49-F238E27FC236}">
+                <a16:creationId xmlns:a16="http://schemas.microsoft.com/office/drawing/2014/main" id="{8D27D8EB-E9D9-6F77-E51A-0EE2AFD063B1}"/>
+              </a:ext>
+            </a:extLst>
+          </p:cNvPr>
+          <p:cNvPicPr>
+            <a:picLocks noChangeAspect="1" noChangeArrowheads="1"/>
+          </p:cNvPicPr>
+          <p:nvPr/>
+        </p:nvPicPr>
+        <p:blipFill>
+          <a:blip r:embed="rId3" cstate="print">
+            <a:biLevel thresh="25000"/>
+            <a:extLst>
+              <a:ext uri="{BEBA8EAE-BF5A-486C-A8C5-ECC9F3942E4B}">
+                <a14:imgProps xmlns:a14="http://schemas.microsoft.com/office/drawing/2010/main">
+                  <a14:imgLayer r:embed="rId4">
+                    <a14:imgEffect>
+                      <a14:saturation sat="0"/>
+                    </a14:imgEffect>
+                  </a14:imgLayer>
+                </a14:imgProps>
+              </a:ext>
+              <a:ext uri="{28A0092B-C50C-407E-A947-70E740481C1C}">
+                <a14:useLocalDpi xmlns:a14="http://schemas.microsoft.com/office/drawing/2010/main" val="0"/>
+              </a:ext>
+            </a:extLst>
+          </a:blip>
+          <a:srcRect/>
+          <a:stretch>
+            <a:fillRect/>
+          </a:stretch>
+        </p:blipFill>
+        <p:spPr bwMode="auto">
+          <a:xfrm>
+            <a:off x="10139369" y="-197545"/>
+            <a:ext cx="2052631" cy="1539474"/>
+          </a:xfrm>
+          <a:prstGeom prst="rect">
+            <a:avLst/>
+          </a:prstGeom>
+          <a:noFill/>
+          <a:extLst>
+            <a:ext uri="{909E8E84-426E-40DD-AFC4-6F175D3DCCD1}">
+              <a14:hiddenFill xmlns:a14="http://schemas.microsoft.com/office/drawing/2010/main">
+                <a:solidFill>
+                  <a:srgbClr val="FFFFFF"/>
+                </a:solidFill>
+              </a14:hiddenFill>
+            </a:ext>
+          </a:extLst>
+        </p:spPr>
+      </p:pic>
+      <p:sp>
+        <p:nvSpPr>
+          <p:cNvPr id="6" name="TextBox 8">
+            <a:extLst>
+              <a:ext uri="{FF2B5EF4-FFF2-40B4-BE49-F238E27FC236}">
+                <a16:creationId xmlns:a16="http://schemas.microsoft.com/office/drawing/2014/main" id="{D64A3FF3-3251-FE61-FC77-DB36B59A0C02}"/>
+              </a:ext>
+            </a:extLst>
+          </p:cNvPr>
+          <p:cNvSpPr txBox="1"/>
+          <p:nvPr/>
+        </p:nvSpPr>
+        <p:spPr>
+          <a:xfrm>
+            <a:off x="310551" y="1316966"/>
+            <a:ext cx="4928558" cy="400110"/>
+          </a:xfrm>
+          <a:prstGeom prst="rect">
+            <a:avLst/>
+          </a:prstGeom>
+          <a:noFill/>
+        </p:spPr>
+        <p:txBody>
+          <a:bodyPr rot="0" spcFirstLastPara="0" vertOverflow="overflow" horzOverflow="overflow" vert="horz" wrap="square" lIns="91440" tIns="45720" rIns="91440" bIns="45720" numCol="1" spcCol="0" rtlCol="0" fromWordArt="0" anchor="t" anchorCtr="0" forceAA="0" compatLnSpc="1">
+            <a:prstTxWarp prst="textNoShape">
+              <a:avLst/>
+            </a:prstTxWarp>
+            <a:spAutoFit/>
+          </a:bodyPr>
+          <a:lstStyle/>
+          <a:p>
+            <a:r>
+              <a:rPr lang="it-IT" sz="2000" b="1" dirty="0">
+                <a:cs typeface="Arial"/>
+              </a:rPr>
+              <a:t>Control </a:t>
+            </a:r>
+            <a:r>
+              <a:rPr lang="it-IT" sz="2000" b="1" dirty="0" err="1">
+                <a:cs typeface="Arial"/>
+              </a:rPr>
+              <a:t>law</a:t>
+            </a:r>
+            <a:endParaRPr lang="it-IT" sz="2000" b="1" dirty="0">
+              <a:cs typeface="Arial"/>
+            </a:endParaRPr>
+          </a:p>
+        </p:txBody>
+      </p:sp>
+      <p:sp>
+        <p:nvSpPr>
+          <p:cNvPr id="12" name="Rettangolo 11">
+            <a:extLst>
+              <a:ext uri="{FF2B5EF4-FFF2-40B4-BE49-F238E27FC236}">
+                <a16:creationId xmlns:a16="http://schemas.microsoft.com/office/drawing/2014/main" id="{71BCF8DD-8372-774B-C621-B380A5C887A5}"/>
+              </a:ext>
+            </a:extLst>
+          </p:cNvPr>
+          <p:cNvSpPr/>
+          <p:nvPr/>
+        </p:nvSpPr>
+        <p:spPr>
+          <a:xfrm>
+            <a:off x="2310581" y="1917290"/>
+            <a:ext cx="1071716" cy="613752"/>
+          </a:xfrm>
+          <a:prstGeom prst="rect">
+            <a:avLst/>
+          </a:prstGeom>
+          <a:noFill/>
+          <a:ln>
+            <a:solidFill>
+              <a:srgbClr val="F4FAEB"/>
+            </a:solidFill>
+            <a:prstDash val="dash"/>
+          </a:ln>
+        </p:spPr>
+        <p:style>
+          <a:lnRef idx="2">
+            <a:schemeClr val="accent1">
+              <a:shade val="15000"/>
+            </a:schemeClr>
+          </a:lnRef>
+          <a:fillRef idx="1">
+            <a:schemeClr val="accent1"/>
+          </a:fillRef>
+          <a:effectRef idx="0">
+            <a:schemeClr val="accent1"/>
+          </a:effectRef>
+          <a:fontRef idx="minor">
+            <a:schemeClr val="lt1"/>
+          </a:fontRef>
+        </p:style>
+        <p:txBody>
+          <a:bodyPr rtlCol="0" anchor="ctr"/>
+          <a:lstStyle/>
+          <a:p>
+            <a:pPr algn="ctr"/>
+            <a:endParaRPr lang="it-IT"/>
+          </a:p>
+        </p:txBody>
+      </p:sp>
+      <p:sp>
+        <p:nvSpPr>
+          <p:cNvPr id="14" name="Rettangolo 13">
+            <a:extLst>
+              <a:ext uri="{FF2B5EF4-FFF2-40B4-BE49-F238E27FC236}">
+                <a16:creationId xmlns:a16="http://schemas.microsoft.com/office/drawing/2014/main" id="{EAC3BADF-C001-5C02-68CF-5707F08754C5}"/>
+              </a:ext>
+            </a:extLst>
+          </p:cNvPr>
+          <p:cNvSpPr/>
+          <p:nvPr/>
+        </p:nvSpPr>
+        <p:spPr>
+          <a:xfrm>
+            <a:off x="2310581" y="1917290"/>
+            <a:ext cx="1071716" cy="613752"/>
+          </a:xfrm>
+          <a:prstGeom prst="rect">
+            <a:avLst/>
+          </a:prstGeom>
+          <a:noFill/>
+          <a:ln>
+            <a:solidFill>
+              <a:srgbClr val="F4FAEB"/>
+            </a:solidFill>
+            <a:prstDash val="dash"/>
+          </a:ln>
+        </p:spPr>
+        <p:style>
+          <a:lnRef idx="2">
+            <a:schemeClr val="accent1">
+              <a:shade val="15000"/>
+            </a:schemeClr>
+          </a:lnRef>
+          <a:fillRef idx="1">
+            <a:schemeClr val="accent1"/>
+          </a:fillRef>
+          <a:effectRef idx="0">
+            <a:schemeClr val="accent1"/>
+          </a:effectRef>
+          <a:fontRef idx="minor">
+            <a:schemeClr val="lt1"/>
+          </a:fontRef>
+        </p:style>
+        <p:txBody>
+          <a:bodyPr rtlCol="0" anchor="ctr"/>
+          <a:lstStyle/>
+          <a:p>
+            <a:pPr algn="ctr"/>
+            <a:endParaRPr lang="it-IT"/>
+          </a:p>
+        </p:txBody>
+      </p:sp>
+      <p:pic>
+        <p:nvPicPr>
+          <p:cNvPr id="8" name="Immagine 7">
+            <a:extLst>
+              <a:ext uri="{FF2B5EF4-FFF2-40B4-BE49-F238E27FC236}">
+                <a16:creationId xmlns:a16="http://schemas.microsoft.com/office/drawing/2014/main" id="{B7D015A8-434A-A232-5B9B-82F1F3226028}"/>
+              </a:ext>
+            </a:extLst>
+          </p:cNvPr>
+          <p:cNvPicPr>
+            <a:picLocks noChangeAspect="1"/>
+          </p:cNvPicPr>
+          <p:nvPr/>
+        </p:nvPicPr>
+        <p:blipFill>
+          <a:blip r:embed="rId5"/>
+          <a:stretch>
+            <a:fillRect/>
+          </a:stretch>
+        </p:blipFill>
+        <p:spPr>
+          <a:xfrm>
+            <a:off x="8279377" y="1381588"/>
+            <a:ext cx="2181529" cy="1371791"/>
+          </a:xfrm>
+          <a:prstGeom prst="rect">
+            <a:avLst/>
+          </a:prstGeom>
+        </p:spPr>
+      </p:pic>
+    </p:spTree>
+    <p:extLst>
+      <p:ext uri="{BB962C8B-B14F-4D97-AF65-F5344CB8AC3E}">
+        <p14:creationId xmlns:p14="http://schemas.microsoft.com/office/powerpoint/2010/main" val="904695592"/>
       </p:ext>
     </p:extLst>
   </p:cSld>
